--- a/documentation/pm_a_5_praesentation_1_konzept.pptx
+++ b/documentation/pm_a_5_praesentation_1_konzept.pptx
@@ -22,7 +22,7 @@
     <p:sldId id="3963" r:id="rId13"/>
     <p:sldId id="3968" r:id="rId14"/>
     <p:sldId id="3970" r:id="rId15"/>
-    <p:sldId id="3971" r:id="rId16"/>
+    <p:sldId id="3972" r:id="rId16"/>
     <p:sldId id="3950" r:id="rId17"/>
     <p:sldId id="3960" r:id="rId18"/>
     <p:sldId id="3951" r:id="rId19"/>
@@ -1153,7 +1153,7 @@
           <a:p>
             <a:fld id="{E2452912-496F-4BCB-BF13-E546351AB298}" type="slidenum">
               <a:rPr lang="de-DE" smtClean="0"/>
-              <a:t>‹#›</a:t>
+              <a:t>‹Nr.›</a:t>
             </a:fld>
             <a:endParaRPr lang="de-DE"/>
           </a:p>
@@ -1631,7 +1631,7 @@
           <a:p>
             <a:fld id="{949663BB-4C6E-4236-8A3B-A9E01FEAA752}" type="slidenum">
               <a:rPr lang="de-DE" smtClean="0"/>
-              <a:t>‹#›</a:t>
+              <a:t>‹Nr.›</a:t>
             </a:fld>
             <a:endParaRPr lang="de-DE"/>
           </a:p>
@@ -1829,7 +1829,7 @@
           <a:p>
             <a:fld id="{949663BB-4C6E-4236-8A3B-A9E01FEAA752}" type="slidenum">
               <a:rPr lang="de-DE" smtClean="0"/>
-              <a:t>‹#›</a:t>
+              <a:t>‹Nr.›</a:t>
             </a:fld>
             <a:endParaRPr lang="de-DE"/>
           </a:p>
@@ -2037,7 +2037,7 @@
           <a:p>
             <a:fld id="{949663BB-4C6E-4236-8A3B-A9E01FEAA752}" type="slidenum">
               <a:rPr lang="de-DE" smtClean="0"/>
-              <a:t>‹#›</a:t>
+              <a:t>‹Nr.›</a:t>
             </a:fld>
             <a:endParaRPr lang="de-DE"/>
           </a:p>
@@ -2318,7 +2318,7 @@
             <a:fld id="{94176041-F611-405A-BB9C-F44B4516A572}" type="slidenum">
               <a:rPr lang="de-DE" smtClean="0"/>
               <a:pPr/>
-              <a:t>‹#›</a:t>
+              <a:t>‹Nr.›</a:t>
             </a:fld>
             <a:endParaRPr lang="de-DE" dirty="0"/>
           </a:p>
@@ -2899,7 +2899,7 @@
           <a:p>
             <a:fld id="{949663BB-4C6E-4236-8A3B-A9E01FEAA752}" type="slidenum">
               <a:rPr lang="de-DE" smtClean="0"/>
-              <a:t>‹#›</a:t>
+              <a:t>‹Nr.›</a:t>
             </a:fld>
             <a:endParaRPr lang="de-DE"/>
           </a:p>
@@ -3174,7 +3174,7 @@
           <a:p>
             <a:fld id="{949663BB-4C6E-4236-8A3B-A9E01FEAA752}" type="slidenum">
               <a:rPr lang="de-DE" smtClean="0"/>
-              <a:t>‹#›</a:t>
+              <a:t>‹Nr.›</a:t>
             </a:fld>
             <a:endParaRPr lang="de-DE"/>
           </a:p>
@@ -3439,7 +3439,7 @@
           <a:p>
             <a:fld id="{949663BB-4C6E-4236-8A3B-A9E01FEAA752}" type="slidenum">
               <a:rPr lang="de-DE" smtClean="0"/>
-              <a:t>‹#›</a:t>
+              <a:t>‹Nr.›</a:t>
             </a:fld>
             <a:endParaRPr lang="de-DE"/>
           </a:p>
@@ -3851,7 +3851,7 @@
           <a:p>
             <a:fld id="{949663BB-4C6E-4236-8A3B-A9E01FEAA752}" type="slidenum">
               <a:rPr lang="de-DE" smtClean="0"/>
-              <a:t>‹#›</a:t>
+              <a:t>‹Nr.›</a:t>
             </a:fld>
             <a:endParaRPr lang="de-DE"/>
           </a:p>
@@ -3992,7 +3992,7 @@
           <a:p>
             <a:fld id="{949663BB-4C6E-4236-8A3B-A9E01FEAA752}" type="slidenum">
               <a:rPr lang="de-DE" smtClean="0"/>
-              <a:t>‹#›</a:t>
+              <a:t>‹Nr.›</a:t>
             </a:fld>
             <a:endParaRPr lang="de-DE"/>
           </a:p>
@@ -4105,7 +4105,7 @@
           <a:p>
             <a:fld id="{949663BB-4C6E-4236-8A3B-A9E01FEAA752}" type="slidenum">
               <a:rPr lang="de-DE" smtClean="0"/>
-              <a:t>‹#›</a:t>
+              <a:t>‹Nr.›</a:t>
             </a:fld>
             <a:endParaRPr lang="de-DE"/>
           </a:p>
@@ -4416,7 +4416,7 @@
           <a:p>
             <a:fld id="{949663BB-4C6E-4236-8A3B-A9E01FEAA752}" type="slidenum">
               <a:rPr lang="de-DE" smtClean="0"/>
-              <a:t>‹#›</a:t>
+              <a:t>‹Nr.›</a:t>
             </a:fld>
             <a:endParaRPr lang="de-DE"/>
           </a:p>
@@ -4704,7 +4704,7 @@
           <a:p>
             <a:fld id="{949663BB-4C6E-4236-8A3B-A9E01FEAA752}" type="slidenum">
               <a:rPr lang="de-DE" smtClean="0"/>
-              <a:t>‹#›</a:t>
+              <a:t>‹Nr.›</a:t>
             </a:fld>
             <a:endParaRPr lang="de-DE"/>
           </a:p>
@@ -4981,7 +4981,7 @@
           <a:p>
             <a:fld id="{949663BB-4C6E-4236-8A3B-A9E01FEAA752}" type="slidenum">
               <a:rPr lang="de-DE" smtClean="0"/>
-              <a:t>‹#›</a:t>
+              <a:t>‹Nr.›</a:t>
             </a:fld>
             <a:endParaRPr lang="de-DE"/>
           </a:p>
@@ -7038,8 +7038,8 @@
         </p:blipFill>
         <p:spPr>
           <a:xfrm>
-            <a:off x="1130664" y="1208243"/>
-            <a:ext cx="9959406" cy="4858450"/>
+            <a:off x="1703269" y="1208243"/>
+            <a:ext cx="8814196" cy="4858449"/>
           </a:xfrm>
           <a:prstGeom prst="rect">
             <a:avLst/>
@@ -9014,7 +9014,7 @@
             </a:pPr>
             <a:r>
               <a:rPr lang="de-DE" b="1" dirty="0"/>
-              <a:t>Gantt-Diagramm 2</a:t>
+              <a:t>Gantt-Diagramm 1</a:t>
             </a:r>
           </a:p>
         </p:txBody>
@@ -9085,7 +9085,7 @@
           <p:cNvPr id="3" name="Picture 2">
             <a:extLst>
               <a:ext uri="{FF2B5EF4-FFF2-40B4-BE49-F238E27FC236}">
-                <a16:creationId xmlns:a16="http://schemas.microsoft.com/office/drawing/2014/main" id="{D73D7832-AB35-89A2-B720-64E747A8D6DF}"/>
+                <a16:creationId xmlns:a16="http://schemas.microsoft.com/office/drawing/2014/main" id="{9A53244F-6C70-CA4E-1B25-942508E4209A}"/>
               </a:ext>
             </a:extLst>
           </p:cNvPr>
@@ -9107,8 +9107,8 @@
         </p:blipFill>
         <p:spPr>
           <a:xfrm>
-            <a:off x="735624" y="1234618"/>
-            <a:ext cx="10897659" cy="3796790"/>
+            <a:off x="735624" y="1435200"/>
+            <a:ext cx="10838316" cy="3772486"/>
           </a:xfrm>
           <a:prstGeom prst="rect">
             <a:avLst/>
@@ -9121,7 +9121,7 @@
     </p:spTree>
     <p:extLst>
       <p:ext uri="{BB962C8B-B14F-4D97-AF65-F5344CB8AC3E}">
-        <p14:creationId xmlns:p14="http://schemas.microsoft.com/office/powerpoint/2010/main" val="638024688"/>
+        <p14:creationId xmlns:p14="http://schemas.microsoft.com/office/powerpoint/2010/main" val="3265772098"/>
       </p:ext>
     </p:extLst>
   </p:cSld>

--- a/documentation/pm_a_5_praesentation_1_konzept.pptx
+++ b/documentation/pm_a_5_praesentation_1_konzept.pptx
@@ -995,7 +995,7 @@
           <a:p>
             <a:fld id="{07B8BF4F-CA06-4724-9238-68EBFDA3ECF6}" type="datetimeFigureOut">
               <a:rPr lang="de-DE" smtClean="0"/>
-              <a:t>19.03.2024</a:t>
+              <a:t>21.03.2024</a:t>
             </a:fld>
             <a:endParaRPr lang="de-DE"/>
           </a:p>
@@ -1577,7 +1577,7 @@
           <a:p>
             <a:fld id="{D1F11022-C40E-4EFC-84BC-C86197C275D9}" type="datetimeFigureOut">
               <a:rPr lang="de-DE" smtClean="0"/>
-              <a:t>19.03.2024</a:t>
+              <a:t>21.03.2024</a:t>
             </a:fld>
             <a:endParaRPr lang="de-DE"/>
           </a:p>
@@ -1775,7 +1775,7 @@
           <a:p>
             <a:fld id="{D1F11022-C40E-4EFC-84BC-C86197C275D9}" type="datetimeFigureOut">
               <a:rPr lang="de-DE" smtClean="0"/>
-              <a:t>19.03.2024</a:t>
+              <a:t>21.03.2024</a:t>
             </a:fld>
             <a:endParaRPr lang="de-DE"/>
           </a:p>
@@ -1983,7 +1983,7 @@
           <a:p>
             <a:fld id="{D1F11022-C40E-4EFC-84BC-C86197C275D9}" type="datetimeFigureOut">
               <a:rPr lang="de-DE" smtClean="0"/>
-              <a:t>19.03.2024</a:t>
+              <a:t>21.03.2024</a:t>
             </a:fld>
             <a:endParaRPr lang="de-DE"/>
           </a:p>
@@ -2263,7 +2263,7 @@
             <a:pPr algn="r"/>
             <a:fld id="{97728B36-2AAA-419D-83E6-AC7881E8E844}" type="datetime1">
               <a:rPr lang="en-US" smtClean="0"/>
-              <a:t>3/19/2024</a:t>
+              <a:t>3/21/2024</a:t>
             </a:fld>
             <a:endParaRPr lang="de-DE" dirty="0"/>
           </a:p>
@@ -2845,7 +2845,7 @@
           <a:p>
             <a:fld id="{D1F11022-C40E-4EFC-84BC-C86197C275D9}" type="datetimeFigureOut">
               <a:rPr lang="de-DE" smtClean="0"/>
-              <a:t>19.03.2024</a:t>
+              <a:t>21.03.2024</a:t>
             </a:fld>
             <a:endParaRPr lang="de-DE"/>
           </a:p>
@@ -3120,7 +3120,7 @@
           <a:p>
             <a:fld id="{D1F11022-C40E-4EFC-84BC-C86197C275D9}" type="datetimeFigureOut">
               <a:rPr lang="de-DE" smtClean="0"/>
-              <a:t>19.03.2024</a:t>
+              <a:t>21.03.2024</a:t>
             </a:fld>
             <a:endParaRPr lang="de-DE"/>
           </a:p>
@@ -3385,7 +3385,7 @@
           <a:p>
             <a:fld id="{D1F11022-C40E-4EFC-84BC-C86197C275D9}" type="datetimeFigureOut">
               <a:rPr lang="de-DE" smtClean="0"/>
-              <a:t>19.03.2024</a:t>
+              <a:t>21.03.2024</a:t>
             </a:fld>
             <a:endParaRPr lang="de-DE"/>
           </a:p>
@@ -3797,7 +3797,7 @@
           <a:p>
             <a:fld id="{D1F11022-C40E-4EFC-84BC-C86197C275D9}" type="datetimeFigureOut">
               <a:rPr lang="de-DE" smtClean="0"/>
-              <a:t>19.03.2024</a:t>
+              <a:t>21.03.2024</a:t>
             </a:fld>
             <a:endParaRPr lang="de-DE"/>
           </a:p>
@@ -3938,7 +3938,7 @@
           <a:p>
             <a:fld id="{D1F11022-C40E-4EFC-84BC-C86197C275D9}" type="datetimeFigureOut">
               <a:rPr lang="de-DE" smtClean="0"/>
-              <a:t>19.03.2024</a:t>
+              <a:t>21.03.2024</a:t>
             </a:fld>
             <a:endParaRPr lang="de-DE"/>
           </a:p>
@@ -4051,7 +4051,7 @@
           <a:p>
             <a:fld id="{D1F11022-C40E-4EFC-84BC-C86197C275D9}" type="datetimeFigureOut">
               <a:rPr lang="de-DE" smtClean="0"/>
-              <a:t>19.03.2024</a:t>
+              <a:t>21.03.2024</a:t>
             </a:fld>
             <a:endParaRPr lang="de-DE"/>
           </a:p>
@@ -4362,7 +4362,7 @@
           <a:p>
             <a:fld id="{D1F11022-C40E-4EFC-84BC-C86197C275D9}" type="datetimeFigureOut">
               <a:rPr lang="de-DE" smtClean="0"/>
-              <a:t>19.03.2024</a:t>
+              <a:t>21.03.2024</a:t>
             </a:fld>
             <a:endParaRPr lang="de-DE"/>
           </a:p>
@@ -4650,7 +4650,7 @@
           <a:p>
             <a:fld id="{D1F11022-C40E-4EFC-84BC-C86197C275D9}" type="datetimeFigureOut">
               <a:rPr lang="de-DE" smtClean="0"/>
-              <a:t>19.03.2024</a:t>
+              <a:t>21.03.2024</a:t>
             </a:fld>
             <a:endParaRPr lang="de-DE"/>
           </a:p>
@@ -4891,7 +4891,7 @@
           <a:p>
             <a:fld id="{D1F11022-C40E-4EFC-84BC-C86197C275D9}" type="datetimeFigureOut">
               <a:rPr lang="de-DE" smtClean="0"/>
-              <a:t>19.03.2024</a:t>
+              <a:t>21.03.2024</a:t>
             </a:fld>
             <a:endParaRPr lang="de-DE"/>
           </a:p>
@@ -9014,7 +9014,7 @@
             </a:pPr>
             <a:r>
               <a:rPr lang="de-DE" b="1" dirty="0"/>
-              <a:t>Gantt-Diagramm 1</a:t>
+              <a:t>Gantt-Diagramm 2</a:t>
             </a:r>
           </a:p>
         </p:txBody>
